--- a/website/block_1_basics/lsn1/lsn1.pptx
+++ b/website/block_1_basics/lsn1/lsn1.pptx
@@ -11,6 +11,7 @@
     <p:sldId id="258" r:id="rId5"/>
     <p:sldId id="269" r:id="rId6"/>
     <p:sldId id="271" r:id="rId7"/>
+    <p:sldId id="273" r:id="rId8"/>
   </p:sldIdLst>
   <p:sldSz cx="9144000" cy="6858000" type="screen4x3"/>
   <p:notesSz cx="6858000" cy="9144000"/>
@@ -293,7 +294,7 @@
           <a:p>
             <a:fld id="{827D1C91-99C5-4B50-8371-200435177C0F}" type="datetimeFigureOut">
               <a:rPr lang="en-US" smtClean="0"/>
-              <a:t>10/10/2017</a:t>
+              <a:t>10/16/2017</a:t>
             </a:fld>
             <a:endParaRPr lang="en-US"/>
           </a:p>
@@ -463,7 +464,7 @@
           <a:p>
             <a:fld id="{827D1C91-99C5-4B50-8371-200435177C0F}" type="datetimeFigureOut">
               <a:rPr lang="en-US" smtClean="0"/>
-              <a:t>10/10/2017</a:t>
+              <a:t>10/16/2017</a:t>
             </a:fld>
             <a:endParaRPr lang="en-US"/>
           </a:p>
@@ -643,7 +644,7 @@
           <a:p>
             <a:fld id="{827D1C91-99C5-4B50-8371-200435177C0F}" type="datetimeFigureOut">
               <a:rPr lang="en-US" smtClean="0"/>
-              <a:t>10/10/2017</a:t>
+              <a:t>10/16/2017</a:t>
             </a:fld>
             <a:endParaRPr lang="en-US"/>
           </a:p>
@@ -813,7 +814,7 @@
           <a:p>
             <a:fld id="{827D1C91-99C5-4B50-8371-200435177C0F}" type="datetimeFigureOut">
               <a:rPr lang="en-US" smtClean="0"/>
-              <a:t>10/10/2017</a:t>
+              <a:t>10/16/2017</a:t>
             </a:fld>
             <a:endParaRPr lang="en-US"/>
           </a:p>
@@ -1059,7 +1060,7 @@
           <a:p>
             <a:fld id="{827D1C91-99C5-4B50-8371-200435177C0F}" type="datetimeFigureOut">
               <a:rPr lang="en-US" smtClean="0"/>
-              <a:t>10/10/2017</a:t>
+              <a:t>10/16/2017</a:t>
             </a:fld>
             <a:endParaRPr lang="en-US"/>
           </a:p>
@@ -1347,7 +1348,7 @@
           <a:p>
             <a:fld id="{827D1C91-99C5-4B50-8371-200435177C0F}" type="datetimeFigureOut">
               <a:rPr lang="en-US" smtClean="0"/>
-              <a:t>10/10/2017</a:t>
+              <a:t>10/16/2017</a:t>
             </a:fld>
             <a:endParaRPr lang="en-US"/>
           </a:p>
@@ -1769,7 +1770,7 @@
           <a:p>
             <a:fld id="{827D1C91-99C5-4B50-8371-200435177C0F}" type="datetimeFigureOut">
               <a:rPr lang="en-US" smtClean="0"/>
-              <a:t>10/10/2017</a:t>
+              <a:t>10/16/2017</a:t>
             </a:fld>
             <a:endParaRPr lang="en-US"/>
           </a:p>
@@ -1887,7 +1888,7 @@
           <a:p>
             <a:fld id="{827D1C91-99C5-4B50-8371-200435177C0F}" type="datetimeFigureOut">
               <a:rPr lang="en-US" smtClean="0"/>
-              <a:t>10/10/2017</a:t>
+              <a:t>10/16/2017</a:t>
             </a:fld>
             <a:endParaRPr lang="en-US"/>
           </a:p>
@@ -1982,7 +1983,7 @@
           <a:p>
             <a:fld id="{827D1C91-99C5-4B50-8371-200435177C0F}" type="datetimeFigureOut">
               <a:rPr lang="en-US" smtClean="0"/>
-              <a:t>10/10/2017</a:t>
+              <a:t>10/16/2017</a:t>
             </a:fld>
             <a:endParaRPr lang="en-US"/>
           </a:p>
@@ -2259,7 +2260,7 @@
           <a:p>
             <a:fld id="{827D1C91-99C5-4B50-8371-200435177C0F}" type="datetimeFigureOut">
               <a:rPr lang="en-US" smtClean="0"/>
-              <a:t>10/10/2017</a:t>
+              <a:t>10/16/2017</a:t>
             </a:fld>
             <a:endParaRPr lang="en-US"/>
           </a:p>
@@ -2512,7 +2513,7 @@
           <a:p>
             <a:fld id="{827D1C91-99C5-4B50-8371-200435177C0F}" type="datetimeFigureOut">
               <a:rPr lang="en-US" smtClean="0"/>
-              <a:t>10/10/2017</a:t>
+              <a:t>10/16/2017</a:t>
             </a:fld>
             <a:endParaRPr lang="en-US"/>
           </a:p>
@@ -2725,7 +2726,7 @@
           <a:p>
             <a:fld id="{827D1C91-99C5-4B50-8371-200435177C0F}" type="datetimeFigureOut">
               <a:rPr lang="en-US" smtClean="0"/>
-              <a:t>10/10/2017</a:t>
+              <a:t>10/16/2017</a:t>
             </a:fld>
             <a:endParaRPr lang="en-US"/>
           </a:p>
@@ -3272,7 +3273,6 @@
               <a:rPr lang="en-US" dirty="0"/>
               <a:t>a mobile robot usually with a human form</a:t>
             </a:r>
-            <a:endParaRPr lang="en-US" dirty="0"/>
           </a:p>
         </p:txBody>
       </p:sp>
@@ -4141,17 +4141,12 @@
           <a:p>
             <a:r>
               <a:rPr lang="en-US" b="1" u="sng" dirty="0" smtClean="0"/>
-              <a:t>Robot </a:t>
-            </a:r>
-            <a:r>
-              <a:rPr lang="en-US" b="1" u="sng" dirty="0" smtClean="0"/>
-              <a:t>Arms</a:t>
+              <a:t>Robot Arms</a:t>
             </a:r>
             <a:r>
               <a:rPr lang="en-US" dirty="0" smtClean="0"/>
               <a:t>: </a:t>
             </a:r>
-            <a:endParaRPr lang="en-US" dirty="0" smtClean="0"/>
           </a:p>
           <a:p>
             <a:pPr lvl="1"/>
@@ -4159,7 +4154,6 @@
               <a:rPr lang="en-US" dirty="0" smtClean="0"/>
               <a:t>Forward/inverse kinematics</a:t>
             </a:r>
-            <a:endParaRPr lang="en-US" dirty="0" smtClean="0"/>
           </a:p>
           <a:p>
             <a:r>
@@ -4196,11 +4190,7 @@
           <a:p>
             <a:r>
               <a:rPr lang="en-US" b="1" u="sng" dirty="0" smtClean="0"/>
-              <a:t>Mobile </a:t>
-            </a:r>
-            <a:r>
-              <a:rPr lang="en-US" b="1" u="sng" dirty="0" smtClean="0"/>
-              <a:t>Robots</a:t>
+              <a:t>Mobile Robots</a:t>
             </a:r>
             <a:r>
               <a:rPr lang="en-US" dirty="0" smtClean="0"/>
@@ -4228,7 +4218,6 @@
               <a:rPr lang="en-US" dirty="0" smtClean="0"/>
               <a:t>Control and planning</a:t>
             </a:r>
-            <a:endParaRPr lang="en-US" dirty="0" smtClean="0"/>
           </a:p>
         </p:txBody>
       </p:sp>
@@ -4449,11 +4438,7 @@
           <a:p>
             <a:r>
               <a:rPr lang="en-US" dirty="0" smtClean="0"/>
-              <a:t>2 </a:t>
-            </a:r>
-            <a:r>
-              <a:rPr lang="en-US" dirty="0" smtClean="0"/>
-              <a:t>GR’s</a:t>
+              <a:t>2 GR’s</a:t>
             </a:r>
           </a:p>
           <a:p>
@@ -4463,28 +4448,14 @@
             </a:r>
             <a:r>
               <a:rPr lang="en-US" dirty="0" smtClean="0"/>
-              <a:t> </a:t>
-            </a:r>
+              <a:t> Labs (Arm, Vision, and Roomba)</a:t>
+            </a:r>
+          </a:p>
+          <a:p>
             <a:r>
               <a:rPr lang="en-US" dirty="0" smtClean="0"/>
-              <a:t>Labs (</a:t>
-            </a:r>
-            <a:r>
-              <a:rPr lang="en-US" dirty="0" smtClean="0"/>
-              <a:t>Arm, Vision, and Roomba)</a:t>
-            </a:r>
-            <a:endParaRPr lang="en-US" dirty="0" smtClean="0"/>
-          </a:p>
-          <a:p>
-            <a:r>
-              <a:rPr lang="en-US" dirty="0" smtClean="0"/>
-              <a:t>1 Final </a:t>
-            </a:r>
-            <a:r>
-              <a:rPr lang="en-US" dirty="0" smtClean="0"/>
-              <a:t>Project</a:t>
-            </a:r>
-            <a:endParaRPr lang="en-US" dirty="0" smtClean="0"/>
+              <a:t>1 Final Project</a:t>
+            </a:r>
           </a:p>
           <a:p>
             <a:r>
@@ -4545,6 +4516,121 @@
     <p:extLst>
       <p:ext uri="{BB962C8B-B14F-4D97-AF65-F5344CB8AC3E}">
         <p14:creationId xmlns:p14="http://schemas.microsoft.com/office/powerpoint/2010/main" val="2535699383"/>
+      </p:ext>
+    </p:extLst>
+  </p:cSld>
+  <p:clrMapOvr>
+    <a:masterClrMapping/>
+  </p:clrMapOvr>
+  <p:timing>
+    <p:tnLst>
+      <p:par>
+        <p:cTn id="1" dur="indefinite" restart="never" nodeType="tmRoot"/>
+      </p:par>
+    </p:tnLst>
+  </p:timing>
+</p:sld>
+</file>
+
+<file path=ppt/slides/slide7.xml><?xml version="1.0" encoding="utf-8"?>
+<p:sld xmlns:a="http://schemas.openxmlformats.org/drawingml/2006/main" xmlns:r="http://schemas.openxmlformats.org/officeDocument/2006/relationships" xmlns:p="http://schemas.openxmlformats.org/presentationml/2006/main">
+  <p:cSld>
+    <p:spTree>
+      <p:nvGrpSpPr>
+        <p:cNvPr id="1" name=""/>
+        <p:cNvGrpSpPr/>
+        <p:nvPr/>
+      </p:nvGrpSpPr>
+      <p:grpSpPr>
+        <a:xfrm>
+          <a:off x="0" y="0"/>
+          <a:ext cx="0" cy="0"/>
+          <a:chOff x="0" y="0"/>
+          <a:chExt cx="0" cy="0"/>
+        </a:xfrm>
+      </p:grpSpPr>
+      <p:sp>
+        <p:nvSpPr>
+          <p:cNvPr id="2" name="Title 1"/>
+          <p:cNvSpPr>
+            <a:spLocks noGrp="1"/>
+          </p:cNvSpPr>
+          <p:nvPr>
+            <p:ph type="title"/>
+          </p:nvPr>
+        </p:nvSpPr>
+        <p:spPr/>
+        <p:txBody>
+          <a:bodyPr/>
+          <a:lstStyle/>
+          <a:p>
+            <a:r>
+              <a:rPr lang="en-US" dirty="0" smtClean="0"/>
+              <a:t>Movies</a:t>
+            </a:r>
+            <a:endParaRPr lang="en-US" dirty="0"/>
+          </a:p>
+        </p:txBody>
+      </p:sp>
+      <p:sp>
+        <p:nvSpPr>
+          <p:cNvPr id="3" name="Content Placeholder 2"/>
+          <p:cNvSpPr>
+            <a:spLocks noGrp="1"/>
+          </p:cNvSpPr>
+          <p:nvPr>
+            <p:ph idx="1"/>
+          </p:nvPr>
+        </p:nvSpPr>
+        <p:spPr/>
+        <p:txBody>
+          <a:bodyPr/>
+          <a:lstStyle/>
+          <a:p>
+            <a:r>
+              <a:rPr lang="en-US" dirty="0" err="1" smtClean="0">
+                <a:hlinkClick r:id="rId2"/>
+              </a:rPr>
+              <a:t>Darpa</a:t>
+            </a:r>
+            <a:r>
+              <a:rPr lang="en-US" dirty="0" smtClean="0">
+                <a:hlinkClick r:id="rId2"/>
+              </a:rPr>
+              <a:t> Robot Challenge</a:t>
+            </a:r>
+            <a:endParaRPr lang="en-US" dirty="0" smtClean="0"/>
+          </a:p>
+          <a:p>
+            <a:r>
+              <a:rPr lang="en-US" dirty="0" err="1" smtClean="0">
+                <a:hlinkClick r:id="rId3"/>
+              </a:rPr>
+              <a:t>Darpa</a:t>
+            </a:r>
+            <a:r>
+              <a:rPr lang="en-US" dirty="0" smtClean="0">
+                <a:hlinkClick r:id="rId3"/>
+              </a:rPr>
+              <a:t> Robot Fails</a:t>
+            </a:r>
+            <a:endParaRPr lang="en-US" dirty="0" smtClean="0"/>
+          </a:p>
+          <a:p>
+            <a:r>
+              <a:rPr lang="en-US" dirty="0" smtClean="0">
+                <a:hlinkClick r:id="rId4"/>
+              </a:rPr>
+              <a:t>Walking Robot</a:t>
+            </a:r>
+            <a:endParaRPr lang="en-US" dirty="0"/>
+          </a:p>
+        </p:txBody>
+      </p:sp>
+    </p:spTree>
+    <p:extLst>
+      <p:ext uri="{BB962C8B-B14F-4D97-AF65-F5344CB8AC3E}">
+        <p14:creationId xmlns:p14="http://schemas.microsoft.com/office/powerpoint/2010/main" val="1996351581"/>
       </p:ext>
     </p:extLst>
   </p:cSld>

--- a/website/block_1_basics/lsn1/lsn1.pptx
+++ b/website/block_1_basics/lsn1/lsn1.pptx
@@ -11,7 +11,8 @@
     <p:sldId id="258" r:id="rId5"/>
     <p:sldId id="269" r:id="rId6"/>
     <p:sldId id="271" r:id="rId7"/>
-    <p:sldId id="273" r:id="rId8"/>
+    <p:sldId id="274" r:id="rId8"/>
+    <p:sldId id="273" r:id="rId9"/>
   </p:sldIdLst>
   <p:sldSz cx="9144000" cy="6858000" type="screen4x3"/>
   <p:notesSz cx="6858000" cy="9144000"/>
@@ -294,7 +295,7 @@
           <a:p>
             <a:fld id="{827D1C91-99C5-4B50-8371-200435177C0F}" type="datetimeFigureOut">
               <a:rPr lang="en-US" smtClean="0"/>
-              <a:t>10/16/2017</a:t>
+              <a:t>11/27/2017</a:t>
             </a:fld>
             <a:endParaRPr lang="en-US"/>
           </a:p>
@@ -464,7 +465,7 @@
           <a:p>
             <a:fld id="{827D1C91-99C5-4B50-8371-200435177C0F}" type="datetimeFigureOut">
               <a:rPr lang="en-US" smtClean="0"/>
-              <a:t>10/16/2017</a:t>
+              <a:t>11/27/2017</a:t>
             </a:fld>
             <a:endParaRPr lang="en-US"/>
           </a:p>
@@ -644,7 +645,7 @@
           <a:p>
             <a:fld id="{827D1C91-99C5-4B50-8371-200435177C0F}" type="datetimeFigureOut">
               <a:rPr lang="en-US" smtClean="0"/>
-              <a:t>10/16/2017</a:t>
+              <a:t>11/27/2017</a:t>
             </a:fld>
             <a:endParaRPr lang="en-US"/>
           </a:p>
@@ -814,7 +815,7 @@
           <a:p>
             <a:fld id="{827D1C91-99C5-4B50-8371-200435177C0F}" type="datetimeFigureOut">
               <a:rPr lang="en-US" smtClean="0"/>
-              <a:t>10/16/2017</a:t>
+              <a:t>11/27/2017</a:t>
             </a:fld>
             <a:endParaRPr lang="en-US"/>
           </a:p>
@@ -1060,7 +1061,7 @@
           <a:p>
             <a:fld id="{827D1C91-99C5-4B50-8371-200435177C0F}" type="datetimeFigureOut">
               <a:rPr lang="en-US" smtClean="0"/>
-              <a:t>10/16/2017</a:t>
+              <a:t>11/27/2017</a:t>
             </a:fld>
             <a:endParaRPr lang="en-US"/>
           </a:p>
@@ -1348,7 +1349,7 @@
           <a:p>
             <a:fld id="{827D1C91-99C5-4B50-8371-200435177C0F}" type="datetimeFigureOut">
               <a:rPr lang="en-US" smtClean="0"/>
-              <a:t>10/16/2017</a:t>
+              <a:t>11/27/2017</a:t>
             </a:fld>
             <a:endParaRPr lang="en-US"/>
           </a:p>
@@ -1770,7 +1771,7 @@
           <a:p>
             <a:fld id="{827D1C91-99C5-4B50-8371-200435177C0F}" type="datetimeFigureOut">
               <a:rPr lang="en-US" smtClean="0"/>
-              <a:t>10/16/2017</a:t>
+              <a:t>11/27/2017</a:t>
             </a:fld>
             <a:endParaRPr lang="en-US"/>
           </a:p>
@@ -1888,7 +1889,7 @@
           <a:p>
             <a:fld id="{827D1C91-99C5-4B50-8371-200435177C0F}" type="datetimeFigureOut">
               <a:rPr lang="en-US" smtClean="0"/>
-              <a:t>10/16/2017</a:t>
+              <a:t>11/27/2017</a:t>
             </a:fld>
             <a:endParaRPr lang="en-US"/>
           </a:p>
@@ -1983,7 +1984,7 @@
           <a:p>
             <a:fld id="{827D1C91-99C5-4B50-8371-200435177C0F}" type="datetimeFigureOut">
               <a:rPr lang="en-US" smtClean="0"/>
-              <a:t>10/16/2017</a:t>
+              <a:t>11/27/2017</a:t>
             </a:fld>
             <a:endParaRPr lang="en-US"/>
           </a:p>
@@ -2260,7 +2261,7 @@
           <a:p>
             <a:fld id="{827D1C91-99C5-4B50-8371-200435177C0F}" type="datetimeFigureOut">
               <a:rPr lang="en-US" smtClean="0"/>
-              <a:t>10/16/2017</a:t>
+              <a:t>11/27/2017</a:t>
             </a:fld>
             <a:endParaRPr lang="en-US"/>
           </a:p>
@@ -2513,7 +2514,7 @@
           <a:p>
             <a:fld id="{827D1C91-99C5-4B50-8371-200435177C0F}" type="datetimeFigureOut">
               <a:rPr lang="en-US" smtClean="0"/>
-              <a:t>10/16/2017</a:t>
+              <a:t>11/27/2017</a:t>
             </a:fld>
             <a:endParaRPr lang="en-US"/>
           </a:p>
@@ -2726,7 +2727,7 @@
           <a:p>
             <a:fld id="{827D1C91-99C5-4B50-8371-200435177C0F}" type="datetimeFigureOut">
               <a:rPr lang="en-US" smtClean="0"/>
-              <a:t>10/16/2017</a:t>
+              <a:t>11/27/2017</a:t>
             </a:fld>
             <a:endParaRPr lang="en-US"/>
           </a:p>
@@ -3150,6 +3151,78 @@
           </a:p>
         </p:txBody>
       </p:sp>
+      <p:sp>
+        <p:nvSpPr>
+          <p:cNvPr id="4" name="Rectangle 3"/>
+          <p:cNvSpPr/>
+          <p:nvPr/>
+        </p:nvSpPr>
+        <p:spPr>
+          <a:xfrm>
+            <a:off x="838200" y="5410200"/>
+            <a:ext cx="7848600" cy="1143000"/>
+          </a:xfrm>
+          <a:prstGeom prst="rect">
+            <a:avLst/>
+          </a:prstGeom>
+        </p:spPr>
+        <p:style>
+          <a:lnRef idx="2">
+            <a:schemeClr val="accent1">
+              <a:shade val="50000"/>
+            </a:schemeClr>
+          </a:lnRef>
+          <a:fillRef idx="1">
+            <a:schemeClr val="accent1"/>
+          </a:fillRef>
+          <a:effectRef idx="0">
+            <a:schemeClr val="accent1"/>
+          </a:effectRef>
+          <a:fontRef idx="minor">
+            <a:schemeClr val="lt1"/>
+          </a:fontRef>
+        </p:style>
+        <p:txBody>
+          <a:bodyPr rtlCol="0" anchor="ctr"/>
+          <a:lstStyle/>
+          <a:p>
+            <a:pPr algn="ctr"/>
+            <a:r>
+              <a:rPr lang="en-US" sz="2400" dirty="0"/>
+              <a:t>Class webpage: </a:t>
+            </a:r>
+            <a:r>
+              <a:rPr lang="en-US" sz="2400" dirty="0">
+                <a:hlinkClick r:id="rId2"/>
+              </a:rPr>
+              <a:t>https://marsuniversity.github.io/ece387</a:t>
+            </a:r>
+            <a:r>
+              <a:rPr lang="en-US" sz="2400" dirty="0" smtClean="0">
+                <a:hlinkClick r:id="rId2"/>
+              </a:rPr>
+              <a:t>/</a:t>
+            </a:r>
+            <a:endParaRPr lang="en-US" sz="2400" dirty="0" smtClean="0"/>
+          </a:p>
+          <a:p>
+            <a:pPr algn="ctr"/>
+            <a:r>
+              <a:rPr lang="en-US" sz="2400" dirty="0" smtClean="0">
+                <a:solidFill>
+                  <a:srgbClr val="FFFF00"/>
+                </a:solidFill>
+              </a:rPr>
+              <a:t>Book mark it NOW!!!!</a:t>
+            </a:r>
+            <a:endParaRPr lang="en-US" sz="2400" dirty="0">
+              <a:solidFill>
+                <a:srgbClr val="FFFF00"/>
+              </a:solidFill>
+            </a:endParaRPr>
+          </a:p>
+        </p:txBody>
+      </p:sp>
     </p:spTree>
     <p:extLst>
       <p:ext uri="{BB962C8B-B14F-4D97-AF65-F5344CB8AC3E}">
@@ -3286,6 +3359,13 @@
   <p:clrMapOvr>
     <a:masterClrMapping/>
   </p:clrMapOvr>
+  <p:timing>
+    <p:tnLst>
+      <p:par>
+        <p:cTn id="1" dur="indefinite" restart="never" nodeType="tmRoot"/>
+      </p:par>
+    </p:tnLst>
+  </p:timing>
 </p:sld>
 </file>
 
@@ -4328,7 +4408,7 @@
         </p:blipFill>
         <p:spPr bwMode="auto">
           <a:xfrm>
-            <a:off x="4343400" y="4343400"/>
+            <a:off x="4364421" y="3415155"/>
             <a:ext cx="2266950" cy="2266950"/>
           </a:xfrm>
           <a:prstGeom prst="rect">
@@ -4359,6 +4439,58 @@
           </a:extLst>
         </p:spPr>
       </p:pic>
+      <p:sp>
+        <p:nvSpPr>
+          <p:cNvPr id="5" name="Rectangle 4"/>
+          <p:cNvSpPr/>
+          <p:nvPr/>
+        </p:nvSpPr>
+        <p:spPr>
+          <a:xfrm>
+            <a:off x="1219200" y="5867400"/>
+            <a:ext cx="6858000" cy="794895"/>
+          </a:xfrm>
+          <a:prstGeom prst="rect">
+            <a:avLst/>
+          </a:prstGeom>
+        </p:spPr>
+        <p:style>
+          <a:lnRef idx="2">
+            <a:schemeClr val="accent1">
+              <a:shade val="50000"/>
+            </a:schemeClr>
+          </a:lnRef>
+          <a:fillRef idx="1">
+            <a:schemeClr val="accent1"/>
+          </a:fillRef>
+          <a:effectRef idx="0">
+            <a:schemeClr val="accent1"/>
+          </a:effectRef>
+          <a:fontRef idx="minor">
+            <a:schemeClr val="lt1"/>
+          </a:fontRef>
+        </p:style>
+        <p:txBody>
+          <a:bodyPr rtlCol="0" anchor="ctr"/>
+          <a:lstStyle/>
+          <a:p>
+            <a:pPr algn="ctr"/>
+            <a:r>
+              <a:rPr lang="en-US" dirty="0" smtClean="0"/>
+              <a:t>I will </a:t>
+            </a:r>
+            <a:r>
+              <a:rPr lang="en-US" u="sng" dirty="0" smtClean="0"/>
+              <a:t>NOT</a:t>
+            </a:r>
+            <a:r>
+              <a:rPr lang="en-US" dirty="0" smtClean="0"/>
+              <a:t> cover all of the material, you need to read the lessons and make sure you understand</a:t>
+            </a:r>
+            <a:endParaRPr lang="en-US" dirty="0"/>
+          </a:p>
+        </p:txBody>
+      </p:sp>
     </p:spTree>
     <p:extLst>
       <p:ext uri="{BB962C8B-B14F-4D97-AF65-F5344CB8AC3E}">
@@ -4372,9 +4504,80 @@
   <p:timing>
     <p:tnLst>
       <p:par>
-        <p:cTn id="1" dur="indefinite" restart="never" nodeType="tmRoot"/>
+        <p:cTn id="1" dur="indefinite" restart="never" nodeType="tmRoot">
+          <p:childTnLst>
+            <p:seq concurrent="1" nextAc="seek">
+              <p:cTn id="2" dur="indefinite" nodeType="mainSeq">
+                <p:childTnLst>
+                  <p:par>
+                    <p:cTn id="3" fill="hold">
+                      <p:stCondLst>
+                        <p:cond delay="indefinite"/>
+                      </p:stCondLst>
+                      <p:childTnLst>
+                        <p:par>
+                          <p:cTn id="4" fill="hold">
+                            <p:stCondLst>
+                              <p:cond delay="0"/>
+                            </p:stCondLst>
+                            <p:childTnLst>
+                              <p:par>
+                                <p:cTn id="5" presetID="1" presetClass="entr" presetSubtype="0" fill="hold" grpId="0" nodeType="clickEffect">
+                                  <p:stCondLst>
+                                    <p:cond delay="0"/>
+                                  </p:stCondLst>
+                                  <p:childTnLst>
+                                    <p:set>
+                                      <p:cBhvr>
+                                        <p:cTn id="6" dur="1" fill="hold">
+                                          <p:stCondLst>
+                                            <p:cond delay="0"/>
+                                          </p:stCondLst>
+                                        </p:cTn>
+                                        <p:tgtEl>
+                                          <p:spTgt spid="5"/>
+                                        </p:tgtEl>
+                                        <p:attrNameLst>
+                                          <p:attrName>style.visibility</p:attrName>
+                                        </p:attrNameLst>
+                                      </p:cBhvr>
+                                      <p:to>
+                                        <p:strVal val="visible"/>
+                                      </p:to>
+                                    </p:set>
+                                  </p:childTnLst>
+                                </p:cTn>
+                              </p:par>
+                            </p:childTnLst>
+                          </p:cTn>
+                        </p:par>
+                      </p:childTnLst>
+                    </p:cTn>
+                  </p:par>
+                </p:childTnLst>
+              </p:cTn>
+              <p:prevCondLst>
+                <p:cond evt="onPrev" delay="0">
+                  <p:tgtEl>
+                    <p:sldTgt/>
+                  </p:tgtEl>
+                </p:cond>
+              </p:prevCondLst>
+              <p:nextCondLst>
+                <p:cond evt="onNext" delay="0">
+                  <p:tgtEl>
+                    <p:sldTgt/>
+                  </p:tgtEl>
+                </p:cond>
+              </p:nextCondLst>
+            </p:seq>
+          </p:childTnLst>
+        </p:cTn>
       </p:par>
     </p:tnLst>
+    <p:bldLst>
+      <p:bldP spid="5" grpId="0" animBg="1"/>
+    </p:bldLst>
   </p:timing>
 </p:sld>
 </file>
@@ -4438,7 +4641,7 @@
           <a:p>
             <a:r>
               <a:rPr lang="en-US" dirty="0" smtClean="0"/>
-              <a:t>2 GR’s</a:t>
+              <a:t>2 GR’s and 4 Quizzes</a:t>
             </a:r>
           </a:p>
           <a:p>
@@ -4491,7 +4694,7 @@
                   <a:srgbClr val="FF0000"/>
                 </a:solidFill>
               </a:rPr>
-              <a:t>Individual work: HW and GRs</a:t>
+              <a:t>Individual work: HW and GRs/Quizzes</a:t>
             </a:r>
           </a:p>
           <a:p>
@@ -4533,6 +4736,158 @@
 </file>
 
 <file path=ppt/slides/slide7.xml><?xml version="1.0" encoding="utf-8"?>
+<p:sld xmlns:a="http://schemas.openxmlformats.org/drawingml/2006/main" xmlns:r="http://schemas.openxmlformats.org/officeDocument/2006/relationships" xmlns:p="http://schemas.openxmlformats.org/presentationml/2006/main">
+  <p:cSld>
+    <p:spTree>
+      <p:nvGrpSpPr>
+        <p:cNvPr id="1" name=""/>
+        <p:cNvGrpSpPr/>
+        <p:nvPr/>
+      </p:nvGrpSpPr>
+      <p:grpSpPr>
+        <a:xfrm>
+          <a:off x="0" y="0"/>
+          <a:ext cx="0" cy="0"/>
+          <a:chOff x="0" y="0"/>
+          <a:chExt cx="0" cy="0"/>
+        </a:xfrm>
+      </p:grpSpPr>
+      <p:sp>
+        <p:nvSpPr>
+          <p:cNvPr id="2" name="Title 1"/>
+          <p:cNvSpPr>
+            <a:spLocks noGrp="1"/>
+          </p:cNvSpPr>
+          <p:nvPr>
+            <p:ph type="title"/>
+          </p:nvPr>
+        </p:nvSpPr>
+        <p:spPr/>
+        <p:txBody>
+          <a:bodyPr/>
+          <a:lstStyle/>
+          <a:p>
+            <a:r>
+              <a:rPr lang="en-US" dirty="0" smtClean="0"/>
+              <a:t>Expectations</a:t>
+            </a:r>
+            <a:endParaRPr lang="en-US" dirty="0"/>
+          </a:p>
+        </p:txBody>
+      </p:sp>
+      <p:sp>
+        <p:nvSpPr>
+          <p:cNvPr id="3" name="Content Placeholder 2"/>
+          <p:cNvSpPr>
+            <a:spLocks noGrp="1"/>
+          </p:cNvSpPr>
+          <p:nvPr>
+            <p:ph idx="1"/>
+          </p:nvPr>
+        </p:nvSpPr>
+        <p:spPr/>
+        <p:txBody>
+          <a:bodyPr>
+            <a:normAutofit fontScale="70000" lnSpcReduction="20000"/>
+          </a:bodyPr>
+          <a:lstStyle/>
+          <a:p>
+            <a:r>
+              <a:rPr lang="en-US" dirty="0" smtClean="0"/>
+              <a:t>We will cover a lot of material and move fast</a:t>
+            </a:r>
+          </a:p>
+          <a:p>
+            <a:pPr lvl="1"/>
+            <a:r>
+              <a:rPr lang="en-US" dirty="0" smtClean="0"/>
+              <a:t>Keep up!</a:t>
+            </a:r>
+          </a:p>
+          <a:p>
+            <a:r>
+              <a:rPr lang="en-US" dirty="0" smtClean="0"/>
+              <a:t>Since this is an undergrad class and an introduction class, we will not learn a lot of the details behind things.</a:t>
+            </a:r>
+          </a:p>
+          <a:p>
+            <a:pPr lvl="1"/>
+            <a:r>
+              <a:rPr lang="en-US" dirty="0" smtClean="0"/>
+              <a:t>I expect you to know how things go together and how to use the tools</a:t>
+            </a:r>
+          </a:p>
+          <a:p>
+            <a:pPr lvl="1"/>
+            <a:r>
+              <a:rPr lang="en-US" dirty="0" smtClean="0"/>
+              <a:t>I do not expect you to be able to derive algorithms from first principles</a:t>
+            </a:r>
+          </a:p>
+          <a:p>
+            <a:pPr lvl="1"/>
+            <a:r>
+              <a:rPr lang="en-US" dirty="0" smtClean="0"/>
+              <a:t>Kinematics will be the only place where you need to understand the lower level math to move the robot arm</a:t>
+            </a:r>
+          </a:p>
+          <a:p>
+            <a:pPr lvl="1"/>
+            <a:r>
+              <a:rPr lang="en-US" dirty="0" smtClean="0"/>
+              <a:t>Wait until grad school to learn how to derive these yourself</a:t>
+            </a:r>
+          </a:p>
+          <a:p>
+            <a:r>
+              <a:rPr lang="en-US" dirty="0" smtClean="0"/>
+              <a:t>Lots of programming!!!</a:t>
+            </a:r>
+          </a:p>
+          <a:p>
+            <a:r>
+              <a:rPr lang="en-US" dirty="0" smtClean="0"/>
+              <a:t>Every quiz/GR will have python/</a:t>
+            </a:r>
+            <a:r>
+              <a:rPr lang="en-US" dirty="0" err="1" smtClean="0"/>
+              <a:t>linux</a:t>
+            </a:r>
+            <a:r>
+              <a:rPr lang="en-US" dirty="0" smtClean="0"/>
+              <a:t> material on it</a:t>
+            </a:r>
+          </a:p>
+          <a:p>
+            <a:r>
+              <a:rPr lang="en-US" dirty="0" smtClean="0"/>
+              <a:t>Answer the questions and do the exercises for every reading, those are good examples of test questions</a:t>
+            </a:r>
+            <a:endParaRPr lang="en-US" dirty="0"/>
+          </a:p>
+        </p:txBody>
+      </p:sp>
+    </p:spTree>
+    <p:extLst>
+      <p:ext uri="{BB962C8B-B14F-4D97-AF65-F5344CB8AC3E}">
+        <p14:creationId xmlns:p14="http://schemas.microsoft.com/office/powerpoint/2010/main" val="2885243425"/>
+      </p:ext>
+    </p:extLst>
+  </p:cSld>
+  <p:clrMapOvr>
+    <a:masterClrMapping/>
+  </p:clrMapOvr>
+  <p:timing>
+    <p:tnLst>
+      <p:par>
+        <p:cTn id="1" dur="indefinite" restart="never" nodeType="tmRoot"/>
+      </p:par>
+    </p:tnLst>
+  </p:timing>
+</p:sld>
+</file>
+
+<file path=ppt/slides/slide8.xml><?xml version="1.0" encoding="utf-8"?>
 <p:sld xmlns:a="http://schemas.openxmlformats.org/drawingml/2006/main" xmlns:r="http://schemas.openxmlformats.org/officeDocument/2006/relationships" xmlns:p="http://schemas.openxmlformats.org/presentationml/2006/main">
   <p:cSld>
     <p:spTree>
